--- a/Doku/TeildokumentationGUI/Showcase_AntidustA2.0_HeikoNoeldeke.pptx
+++ b/Doku/TeildokumentationGUI/Showcase_AntidustA2.0_HeikoNoeldeke.pptx
@@ -236,7 +236,7 @@
             <a:fld id="{F8815773-C2AC-4D4C-A5CB-DE5E27F4B853}" type="datetime1">
               <a:rPr lang="de-DE" altLang="de-DE"/>
               <a:pPr/>
-              <a:t>24.01.2021</a:t>
+              <a:t>25.01.2021</a:t>
             </a:fld>
             <a:endParaRPr lang="de-DE" altLang="de-DE"/>
           </a:p>
@@ -441,7 +441,7 @@
             <a:fld id="{87C4869C-3395-4998-A6AE-0C55462BD81A}" type="datetime1">
               <a:rPr lang="de-DE" altLang="de-DE"/>
               <a:pPr/>
-              <a:t>24.01.2021</a:t>
+              <a:t>25.01.2021</a:t>
             </a:fld>
             <a:endParaRPr lang="de-DE" altLang="de-DE"/>
           </a:p>
@@ -909,7 +909,7 @@
           <a:p>
             <a:fld id="{CE458A8D-8D33-43C0-9B76-C9C5C5C45B16}" type="datetimeFigureOut">
               <a:rPr lang="de-DE" smtClean="0"/>
-              <a:t>24.01.2021</a:t>
+              <a:t>25.01.2021</a:t>
             </a:fld>
             <a:endParaRPr lang="de-DE"/>
           </a:p>
@@ -1109,7 +1109,7 @@
           <a:p>
             <a:fld id="{CE458A8D-8D33-43C0-9B76-C9C5C5C45B16}" type="datetimeFigureOut">
               <a:rPr lang="de-DE" smtClean="0"/>
-              <a:t>24.01.2021</a:t>
+              <a:t>25.01.2021</a:t>
             </a:fld>
             <a:endParaRPr lang="de-DE"/>
           </a:p>
@@ -1319,7 +1319,7 @@
           <a:p>
             <a:fld id="{CE458A8D-8D33-43C0-9B76-C9C5C5C45B16}" type="datetimeFigureOut">
               <a:rPr lang="de-DE" smtClean="0"/>
-              <a:t>24.01.2021</a:t>
+              <a:t>25.01.2021</a:t>
             </a:fld>
             <a:endParaRPr lang="de-DE"/>
           </a:p>
@@ -4259,7 +4259,7 @@
           <a:p>
             <a:fld id="{CE458A8D-8D33-43C0-9B76-C9C5C5C45B16}" type="datetimeFigureOut">
               <a:rPr lang="de-DE" smtClean="0"/>
-              <a:t>24.01.2021</a:t>
+              <a:t>25.01.2021</a:t>
             </a:fld>
             <a:endParaRPr lang="de-DE"/>
           </a:p>
@@ -4536,7 +4536,7 @@
           <a:p>
             <a:fld id="{CE458A8D-8D33-43C0-9B76-C9C5C5C45B16}" type="datetimeFigureOut">
               <a:rPr lang="de-DE" smtClean="0"/>
-              <a:t>24.01.2021</a:t>
+              <a:t>25.01.2021</a:t>
             </a:fld>
             <a:endParaRPr lang="de-DE"/>
           </a:p>
@@ -4803,7 +4803,7 @@
           <a:p>
             <a:fld id="{CE458A8D-8D33-43C0-9B76-C9C5C5C45B16}" type="datetimeFigureOut">
               <a:rPr lang="de-DE" smtClean="0"/>
-              <a:t>24.01.2021</a:t>
+              <a:t>25.01.2021</a:t>
             </a:fld>
             <a:endParaRPr lang="de-DE"/>
           </a:p>
@@ -5217,7 +5217,7 @@
           <a:p>
             <a:fld id="{CE458A8D-8D33-43C0-9B76-C9C5C5C45B16}" type="datetimeFigureOut">
               <a:rPr lang="de-DE" smtClean="0"/>
-              <a:t>24.01.2021</a:t>
+              <a:t>25.01.2021</a:t>
             </a:fld>
             <a:endParaRPr lang="de-DE"/>
           </a:p>
@@ -5360,7 +5360,7 @@
           <a:p>
             <a:fld id="{CE458A8D-8D33-43C0-9B76-C9C5C5C45B16}" type="datetimeFigureOut">
               <a:rPr lang="de-DE" smtClean="0"/>
-              <a:t>24.01.2021</a:t>
+              <a:t>25.01.2021</a:t>
             </a:fld>
             <a:endParaRPr lang="de-DE"/>
           </a:p>
@@ -5475,7 +5475,7 @@
           <a:p>
             <a:fld id="{CE458A8D-8D33-43C0-9B76-C9C5C5C45B16}" type="datetimeFigureOut">
               <a:rPr lang="de-DE" smtClean="0"/>
-              <a:t>24.01.2021</a:t>
+              <a:t>25.01.2021</a:t>
             </a:fld>
             <a:endParaRPr lang="de-DE"/>
           </a:p>
@@ -5788,7 +5788,7 @@
           <a:p>
             <a:fld id="{CE458A8D-8D33-43C0-9B76-C9C5C5C45B16}" type="datetimeFigureOut">
               <a:rPr lang="de-DE" smtClean="0"/>
-              <a:t>24.01.2021</a:t>
+              <a:t>25.01.2021</a:t>
             </a:fld>
             <a:endParaRPr lang="de-DE"/>
           </a:p>
@@ -6078,7 +6078,7 @@
           <a:p>
             <a:fld id="{CE458A8D-8D33-43C0-9B76-C9C5C5C45B16}" type="datetimeFigureOut">
               <a:rPr lang="de-DE" smtClean="0"/>
-              <a:t>24.01.2021</a:t>
+              <a:t>25.01.2021</a:t>
             </a:fld>
             <a:endParaRPr lang="de-DE"/>
           </a:p>
@@ -6321,7 +6321,7 @@
           <a:p>
             <a:fld id="{CE458A8D-8D33-43C0-9B76-C9C5C5C45B16}" type="datetimeFigureOut">
               <a:rPr lang="de-DE" smtClean="0"/>
-              <a:t>24.01.2021</a:t>
+              <a:t>25.01.2021</a:t>
             </a:fld>
             <a:endParaRPr lang="de-DE"/>
           </a:p>
@@ -9696,11 +9696,11 @@
       </p:sp>
       <p:pic>
         <p:nvPicPr>
-          <p:cNvPr id="5" name="2021-01-23_GUI_mit_Seriuellem_Monitor_Mock-Up">
+          <p:cNvPr id="2" name="2021-01-25-GUI-Mock-ShowCase-cutted">
             <a:hlinkClick r:id="" action="ppaction://media"/>
             <a:extLst>
               <a:ext uri="{FF2B5EF4-FFF2-40B4-BE49-F238E27FC236}">
-                <a16:creationId xmlns:a16="http://schemas.microsoft.com/office/drawing/2014/main" id="{B3BE6316-C638-44BC-A129-A64771E64BD9}"/>
+                <a16:creationId xmlns:a16="http://schemas.microsoft.com/office/drawing/2014/main" id="{83DFA274-DAA3-40E8-82A7-E9859CD35427}"/>
               </a:ext>
             </a:extLst>
           </p:cNvPr>
@@ -9770,9 +9770,9 @@
                                   <p:childTnLst>
                                     <p:cmd type="call" cmd="playFrom(0.0)">
                                       <p:cBhvr>
-                                        <p:cTn id="6" dur="43533" fill="hold"/>
+                                        <p:cTn id="6" dur="51533" fill="hold"/>
                                         <p:tgtEl>
-                                          <p:spTgt spid="5"/>
+                                          <p:spTgt spid="2"/>
                                         </p:tgtEl>
                                       </p:cBhvr>
                                     </p:cmd>
@@ -9810,7 +9810,7 @@
                   </p:stCondLst>
                 </p:cTn>
                 <p:tgtEl>
-                  <p:spTgt spid="5"/>
+                  <p:spTgt spid="2"/>
                 </p:tgtEl>
               </p:cMediaNode>
             </p:video>
@@ -9819,7 +9819,7 @@
                 <p:stCondLst>
                   <p:cond evt="onClick" delay="0">
                     <p:tgtEl>
-                      <p:spTgt spid="5"/>
+                      <p:spTgt spid="2"/>
                     </p:tgtEl>
                   </p:cond>
                 </p:stCondLst>
@@ -9849,7 +9849,7 @@
                                       <p:cBhvr>
                                         <p:cTn id="12" dur="1" fill="hold"/>
                                         <p:tgtEl>
-                                          <p:spTgt spid="5"/>
+                                          <p:spTgt spid="2"/>
                                         </p:tgtEl>
                                       </p:cBhvr>
                                     </p:cmd>
@@ -9867,7 +9867,7 @@
               <p:nextCondLst>
                 <p:cond evt="onClick" delay="0">
                   <p:tgtEl>
-                    <p:spTgt spid="5"/>
+                    <p:spTgt spid="2"/>
                   </p:tgtEl>
                 </p:cond>
               </p:nextCondLst>
